--- a/project_2/Hospital Day Team 1.pptx
+++ b/project_2/Hospital Day Team 1.pptx
@@ -5,7 +5,7 @@
     <p:sldMasterId id="2147483648" r:id="rId1"/>
   </p:sldMasterIdLst>
   <p:notesMasterIdLst>
-    <p:notesMasterId r:id="rId11"/>
+    <p:notesMasterId r:id="rId15"/>
   </p:notesMasterIdLst>
   <p:sldIdLst>
     <p:sldId id="279" r:id="rId2"/>
@@ -17,11 +17,15 @@
     <p:sldId id="285" r:id="rId8"/>
     <p:sldId id="286" r:id="rId9"/>
     <p:sldId id="287" r:id="rId10"/>
+    <p:sldId id="291" r:id="rId11"/>
+    <p:sldId id="292" r:id="rId12"/>
+    <p:sldId id="293" r:id="rId13"/>
+    <p:sldId id="290" r:id="rId14"/>
   </p:sldIdLst>
   <p:sldSz cx="9144000" cy="6858000" type="screen4x3"/>
   <p:notesSz cx="6858000" cy="9144000"/>
   <p:custDataLst>
-    <p:tags r:id="rId12"/>
+    <p:tags r:id="rId16"/>
   </p:custDataLst>
   <p:defaultTextStyle>
     <a:defPPr>
@@ -1370,7 +1374,7 @@
             </p:custDataLst>
             <p:extLst>
               <p:ext uri="{D42A27DB-BD31-4B8C-83A1-F6EECF244321}">
-                <p14:modId xmlns:p14="http://schemas.microsoft.com/office/powerpoint/2010/main" val="81458448"/>
+                <p14:modId xmlns:p14="http://schemas.microsoft.com/office/powerpoint/2010/main" val="1352216624"/>
               </p:ext>
             </p:extLst>
           </p:nvPr>
@@ -1383,7 +1387,7 @@
           <a:graphicData uri="http://schemas.openxmlformats.org/presentationml/2006/ole">
             <mc:AlternateContent xmlns:mc="http://schemas.openxmlformats.org/markup-compatibility/2006">
               <mc:Choice xmlns:v="urn:schemas-microsoft-com:vml" Requires="v">
-                <p:oleObj spid="_x0000_s3081" name="think-cell Slide" r:id="rId9" imgW="270" imgH="270" progId="TCLayout.ActiveDocument.1">
+                <p:oleObj spid="_x0000_s3095" name="think-cell Slide" r:id="rId9" imgW="270" imgH="270" progId="TCLayout.ActiveDocument.1">
                   <p:embed/>
                 </p:oleObj>
               </mc:Choice>
@@ -2091,8 +2095,13 @@
             <a:pPr eaLnBrk="1" hangingPunct="1"/>
             <a:r>
               <a:rPr lang="en-US" dirty="0" smtClean="0"/>
-              <a:t>Hospital Day Team 1</a:t>
-            </a:r>
+              <a:t>Hospital </a:t>
+            </a:r>
+            <a:r>
+              <a:rPr lang="en-US" dirty="0" smtClean="0"/>
+              <a:t>Data </a:t>
+            </a:r>
+            <a:endParaRPr lang="en-US" dirty="0" smtClean="0"/>
           </a:p>
         </p:txBody>
       </p:sp>
@@ -2126,9 +2135,1055 @@
               <a:latin typeface="+mj-lt"/>
             </a:endParaRPr>
           </a:p>
+          <a:p>
+            <a:r>
+              <a:rPr lang="en-US" dirty="0"/>
+              <a:t>Harrison Wallace</a:t>
+            </a:r>
+          </a:p>
+          <a:p>
+            <a:r>
+              <a:rPr lang="en-US" dirty="0"/>
+              <a:t>Rahul Gupta</a:t>
+            </a:r>
+          </a:p>
+          <a:p>
+            <a:r>
+              <a:rPr lang="en-US" dirty="0" err="1"/>
+              <a:t>Gopi</a:t>
+            </a:r>
+            <a:r>
+              <a:rPr lang="en-US" dirty="0"/>
+              <a:t> </a:t>
+            </a:r>
+            <a:r>
+              <a:rPr lang="en-US" dirty="0" err="1"/>
+              <a:t>Jeeredy</a:t>
+            </a:r>
+            <a:endParaRPr lang="en-US" dirty="0"/>
+          </a:p>
+          <a:p>
+            <a:r>
+              <a:rPr lang="en-US" dirty="0"/>
+              <a:t>Viren Abelak</a:t>
+            </a:r>
+          </a:p>
+          <a:p>
+            <a:endParaRPr lang="en-US" dirty="0" smtClean="0">
+              <a:latin typeface="+mj-lt"/>
+            </a:endParaRPr>
+          </a:p>
         </p:txBody>
       </p:sp>
     </p:spTree>
+  </p:cSld>
+  <p:clrMapOvr>
+    <a:masterClrMapping/>
+  </p:clrMapOvr>
+  <p:timing>
+    <p:tnLst>
+      <p:par>
+        <p:cTn id="1" dur="indefinite" restart="never" nodeType="tmRoot"/>
+      </p:par>
+    </p:tnLst>
+  </p:timing>
+</p:sld>
+</file>
+
+<file path=ppt/slides/slide10.xml><?xml version="1.0" encoding="utf-8"?>
+<p:sld xmlns:a="http://schemas.openxmlformats.org/drawingml/2006/main" xmlns:r="http://schemas.openxmlformats.org/officeDocument/2006/relationships" xmlns:p="http://schemas.openxmlformats.org/presentationml/2006/main">
+  <p:cSld>
+    <p:spTree>
+      <p:nvGrpSpPr>
+        <p:cNvPr id="1" name=""/>
+        <p:cNvGrpSpPr/>
+        <p:nvPr/>
+      </p:nvGrpSpPr>
+      <p:grpSpPr>
+        <a:xfrm>
+          <a:off x="0" y="0"/>
+          <a:ext cx="0" cy="0"/>
+          <a:chOff x="0" y="0"/>
+          <a:chExt cx="0" cy="0"/>
+        </a:xfrm>
+      </p:grpSpPr>
+      <p:sp>
+        <p:nvSpPr>
+          <p:cNvPr id="2" name="Title 1"/>
+          <p:cNvSpPr>
+            <a:spLocks noGrp="1"/>
+          </p:cNvSpPr>
+          <p:nvPr>
+            <p:ph type="title"/>
+          </p:nvPr>
+        </p:nvSpPr>
+        <p:spPr/>
+        <p:txBody>
+          <a:bodyPr/>
+          <a:lstStyle/>
+          <a:p>
+            <a:r>
+              <a:rPr lang="en-US" dirty="0" smtClean="0"/>
+              <a:t>ROC Curve</a:t>
+            </a:r>
+            <a:endParaRPr lang="en-US" dirty="0"/>
+          </a:p>
+        </p:txBody>
+      </p:sp>
+      <p:pic>
+        <p:nvPicPr>
+          <p:cNvPr id="5" name="Content Placeholder 4"/>
+          <p:cNvPicPr>
+            <a:picLocks noGrp="1" noChangeAspect="1"/>
+          </p:cNvPicPr>
+          <p:nvPr>
+            <p:ph idx="1"/>
+          </p:nvPr>
+        </p:nvPicPr>
+        <p:blipFill>
+          <a:blip r:embed="rId2">
+            <a:extLst>
+              <a:ext uri="{28A0092B-C50C-407E-A947-70E740481C1C}">
+                <a14:useLocalDpi xmlns:a14="http://schemas.microsoft.com/office/drawing/2010/main" val="0"/>
+              </a:ext>
+            </a:extLst>
+          </a:blip>
+          <a:stretch>
+            <a:fillRect/>
+          </a:stretch>
+        </p:blipFill>
+        <p:spPr>
+          <a:xfrm>
+            <a:off x="964046" y="1058863"/>
+            <a:ext cx="7215908" cy="4960937"/>
+          </a:xfrm>
+        </p:spPr>
+      </p:pic>
+    </p:spTree>
+    <p:extLst>
+      <p:ext uri="{BB962C8B-B14F-4D97-AF65-F5344CB8AC3E}">
+        <p14:creationId xmlns:p14="http://schemas.microsoft.com/office/powerpoint/2010/main" val="3593374610"/>
+      </p:ext>
+    </p:extLst>
+  </p:cSld>
+  <p:clrMapOvr>
+    <a:masterClrMapping/>
+  </p:clrMapOvr>
+  <p:timing>
+    <p:tnLst>
+      <p:par>
+        <p:cTn id="1" dur="indefinite" restart="never" nodeType="tmRoot"/>
+      </p:par>
+    </p:tnLst>
+  </p:timing>
+</p:sld>
+</file>
+
+<file path=ppt/slides/slide11.xml><?xml version="1.0" encoding="utf-8"?>
+<p:sld xmlns:a="http://schemas.openxmlformats.org/drawingml/2006/main" xmlns:r="http://schemas.openxmlformats.org/officeDocument/2006/relationships" xmlns:p="http://schemas.openxmlformats.org/presentationml/2006/main">
+  <p:cSld>
+    <p:spTree>
+      <p:nvGrpSpPr>
+        <p:cNvPr id="1" name=""/>
+        <p:cNvGrpSpPr/>
+        <p:nvPr/>
+      </p:nvGrpSpPr>
+      <p:grpSpPr>
+        <a:xfrm>
+          <a:off x="0" y="0"/>
+          <a:ext cx="0" cy="0"/>
+          <a:chOff x="0" y="0"/>
+          <a:chExt cx="0" cy="0"/>
+        </a:xfrm>
+      </p:grpSpPr>
+      <p:sp>
+        <p:nvSpPr>
+          <p:cNvPr id="2" name="Title 1"/>
+          <p:cNvSpPr>
+            <a:spLocks noGrp="1"/>
+          </p:cNvSpPr>
+          <p:nvPr>
+            <p:ph type="title"/>
+          </p:nvPr>
+        </p:nvSpPr>
+        <p:spPr/>
+        <p:txBody>
+          <a:bodyPr/>
+          <a:lstStyle/>
+          <a:p>
+            <a:r>
+              <a:rPr lang="en-US" dirty="0" smtClean="0"/>
+              <a:t>Through 10 fold cross validation, found that a probability threshold of .2 is best for maximizing recall while retaining a high </a:t>
+            </a:r>
+            <a:r>
+              <a:rPr lang="en-US" dirty="0" err="1" smtClean="0"/>
+              <a:t>fscore</a:t>
+            </a:r>
+            <a:endParaRPr lang="en-US" dirty="0"/>
+          </a:p>
+        </p:txBody>
+      </p:sp>
+      <p:sp>
+        <p:nvSpPr>
+          <p:cNvPr id="3" name="Content Placeholder 2"/>
+          <p:cNvSpPr>
+            <a:spLocks noGrp="1"/>
+          </p:cNvSpPr>
+          <p:nvPr>
+            <p:ph idx="1"/>
+          </p:nvPr>
+        </p:nvSpPr>
+        <p:spPr/>
+        <p:txBody>
+          <a:bodyPr/>
+          <a:lstStyle/>
+          <a:p>
+            <a:r>
+              <a:rPr lang="en-US" sz="1200" b="0" dirty="0"/>
+              <a:t>threshold = 0.05  precision, recall, </a:t>
+            </a:r>
+            <a:r>
+              <a:rPr lang="en-US" sz="1200" b="0" dirty="0" err="1"/>
+              <a:t>fscore</a:t>
+            </a:r>
+            <a:r>
+              <a:rPr lang="en-US" sz="1200" b="0" dirty="0"/>
+              <a:t> = (0.490217443829635, 0.99687499999999996, 0.65569305888206231</a:t>
+            </a:r>
+            <a:r>
+              <a:rPr lang="en-US" sz="1200" b="0" dirty="0" smtClean="0"/>
+              <a:t>)</a:t>
+            </a:r>
+          </a:p>
+          <a:p>
+            <a:endParaRPr lang="en-US" sz="1200" b="0" dirty="0"/>
+          </a:p>
+          <a:p>
+            <a:r>
+              <a:rPr lang="en-US" sz="1200" b="0" dirty="0"/>
+              <a:t>threshold = 0.1  precision, recall, </a:t>
+            </a:r>
+            <a:r>
+              <a:rPr lang="en-US" sz="1200" b="0" dirty="0" err="1"/>
+              <a:t>fscore</a:t>
+            </a:r>
+            <a:r>
+              <a:rPr lang="en-US" sz="1200" b="0" dirty="0"/>
+              <a:t> = (0.54778815087559063, 0.98124999999999996, 0.69805885466469897</a:t>
+            </a:r>
+            <a:r>
+              <a:rPr lang="en-US" sz="1200" b="0" dirty="0" smtClean="0"/>
+              <a:t>)</a:t>
+            </a:r>
+          </a:p>
+          <a:p>
+            <a:endParaRPr lang="en-US" sz="1200" b="0" dirty="0"/>
+          </a:p>
+          <a:p>
+            <a:r>
+              <a:rPr lang="en-US" sz="1200" b="0" dirty="0"/>
+              <a:t>threshold = 0.15  precision, recall, </a:t>
+            </a:r>
+            <a:r>
+              <a:rPr lang="en-US" sz="1200" b="0" dirty="0" err="1"/>
+              <a:t>fscore</a:t>
+            </a:r>
+            <a:r>
+              <a:rPr lang="en-US" sz="1200" b="0" dirty="0"/>
+              <a:t> = (0.62319501879586814, 0.953125, 0.74869713290599615</a:t>
+            </a:r>
+            <a:r>
+              <a:rPr lang="en-US" sz="1200" b="0" dirty="0" smtClean="0"/>
+              <a:t>)</a:t>
+            </a:r>
+          </a:p>
+          <a:p>
+            <a:endParaRPr lang="en-US" sz="1200" b="0" dirty="0"/>
+          </a:p>
+          <a:p>
+            <a:r>
+              <a:rPr lang="en-US" sz="1200" dirty="0"/>
+              <a:t>threshold = 0.2  precision, recall, </a:t>
+            </a:r>
+            <a:r>
+              <a:rPr lang="en-US" sz="1200" dirty="0" err="1"/>
+              <a:t>fscore</a:t>
+            </a:r>
+            <a:r>
+              <a:rPr lang="en-US" sz="1200" dirty="0"/>
+              <a:t> = (0.65358508973984186, 0.921875, 0.76001837688477869</a:t>
+            </a:r>
+            <a:r>
+              <a:rPr lang="en-US" sz="1200" dirty="0" smtClean="0"/>
+              <a:t>)</a:t>
+            </a:r>
+          </a:p>
+          <a:p>
+            <a:endParaRPr lang="en-US" sz="1200" b="0" dirty="0"/>
+          </a:p>
+          <a:p>
+            <a:r>
+              <a:rPr lang="en-US" sz="1200" b="0" dirty="0"/>
+              <a:t>threshold = 0.25  precision, recall, </a:t>
+            </a:r>
+            <a:r>
+              <a:rPr lang="en-US" sz="1200" b="0" dirty="0" err="1"/>
+              <a:t>fscore</a:t>
+            </a:r>
+            <a:r>
+              <a:rPr lang="en-US" sz="1200" b="0" dirty="0"/>
+              <a:t> = (0.68208510692206348, 0.89687499999999998, 0.76783359950416918</a:t>
+            </a:r>
+            <a:r>
+              <a:rPr lang="en-US" sz="1200" b="0" dirty="0" smtClean="0"/>
+              <a:t>)</a:t>
+            </a:r>
+          </a:p>
+          <a:p>
+            <a:endParaRPr lang="en-US" sz="1200" b="0" dirty="0"/>
+          </a:p>
+          <a:p>
+            <a:r>
+              <a:rPr lang="en-US" sz="1200" b="0" dirty="0"/>
+              <a:t>threshold = 0.3  precision, recall, </a:t>
+            </a:r>
+            <a:r>
+              <a:rPr lang="en-US" sz="1200" b="0" dirty="0" err="1"/>
+              <a:t>fscore</a:t>
+            </a:r>
+            <a:r>
+              <a:rPr lang="en-US" sz="1200" b="0" dirty="0"/>
+              <a:t> = (0.71142549861243143, 0.87187499999999996, 0.77566000794498169</a:t>
+            </a:r>
+            <a:r>
+              <a:rPr lang="en-US" sz="1200" b="0" dirty="0" smtClean="0"/>
+              <a:t>)</a:t>
+            </a:r>
+          </a:p>
+          <a:p>
+            <a:endParaRPr lang="en-US" sz="1200" b="0" dirty="0"/>
+          </a:p>
+          <a:p>
+            <a:r>
+              <a:rPr lang="en-US" sz="1200" b="0" dirty="0"/>
+              <a:t>threshold = 0.35  precision, recall, </a:t>
+            </a:r>
+            <a:r>
+              <a:rPr lang="en-US" sz="1200" b="0" dirty="0" err="1"/>
+              <a:t>fscore</a:t>
+            </a:r>
+            <a:r>
+              <a:rPr lang="en-US" sz="1200" b="0" dirty="0"/>
+              <a:t> = (0.7408386397467509, 0.84989919354838717, 0.78039782614236908</a:t>
+            </a:r>
+            <a:r>
+              <a:rPr lang="en-US" sz="1200" b="0" dirty="0" smtClean="0"/>
+              <a:t>)</a:t>
+            </a:r>
+          </a:p>
+          <a:p>
+            <a:endParaRPr lang="en-US" sz="1200" b="0" dirty="0"/>
+          </a:p>
+          <a:p>
+            <a:r>
+              <a:rPr lang="en-US" sz="1200" b="0" dirty="0"/>
+              <a:t>threshold = 0.4  precision, recall, </a:t>
+            </a:r>
+            <a:r>
+              <a:rPr lang="en-US" sz="1200" b="0" dirty="0" err="1"/>
+              <a:t>fscore</a:t>
+            </a:r>
+            <a:r>
+              <a:rPr lang="en-US" sz="1200" b="0" dirty="0"/>
+              <a:t> = (0.75991379611174081, 0.80594758064516125, 0.77230679947592784</a:t>
+            </a:r>
+            <a:r>
+              <a:rPr lang="en-US" sz="1200" b="0" dirty="0" smtClean="0"/>
+              <a:t>)</a:t>
+            </a:r>
+          </a:p>
+          <a:p>
+            <a:endParaRPr lang="en-US" sz="1200" b="0" dirty="0"/>
+          </a:p>
+          <a:p>
+            <a:r>
+              <a:rPr lang="en-US" sz="1200" b="0" dirty="0"/>
+              <a:t>threshold = 0.45  precision, recall, </a:t>
+            </a:r>
+            <a:r>
+              <a:rPr lang="en-US" sz="1200" b="0" dirty="0" err="1"/>
+              <a:t>fscore</a:t>
+            </a:r>
+            <a:r>
+              <a:rPr lang="en-US" sz="1200" b="0" dirty="0"/>
+              <a:t> = (0.78512513951643081, 0.77449596774193552, 0.77070435581124996</a:t>
+            </a:r>
+            <a:r>
+              <a:rPr lang="en-US" sz="1200" b="0" dirty="0" smtClean="0"/>
+              <a:t>)</a:t>
+            </a:r>
+          </a:p>
+          <a:p>
+            <a:endParaRPr lang="en-US" sz="1200" b="0" dirty="0"/>
+          </a:p>
+          <a:p>
+            <a:r>
+              <a:rPr lang="en-US" sz="1200" b="0" dirty="0"/>
+              <a:t>threshold = 0.5  precision, recall, </a:t>
+            </a:r>
+            <a:r>
+              <a:rPr lang="en-US" sz="1200" b="0" dirty="0" err="1"/>
+              <a:t>fscore</a:t>
+            </a:r>
+            <a:r>
+              <a:rPr lang="en-US" sz="1200" b="0" dirty="0"/>
+              <a:t> = (0.81036441956595451, 0.7494959677419355, 0.7699732485451104)</a:t>
+            </a:r>
+          </a:p>
+        </p:txBody>
+      </p:sp>
+    </p:spTree>
+    <p:extLst>
+      <p:ext uri="{BB962C8B-B14F-4D97-AF65-F5344CB8AC3E}">
+        <p14:creationId xmlns:p14="http://schemas.microsoft.com/office/powerpoint/2010/main" val="3820923712"/>
+      </p:ext>
+    </p:extLst>
+  </p:cSld>
+  <p:clrMapOvr>
+    <a:masterClrMapping/>
+  </p:clrMapOvr>
+  <p:timing>
+    <p:tnLst>
+      <p:par>
+        <p:cTn id="1" dur="indefinite" restart="never" nodeType="tmRoot"/>
+      </p:par>
+    </p:tnLst>
+  </p:timing>
+</p:sld>
+</file>
+
+<file path=ppt/slides/slide12.xml><?xml version="1.0" encoding="utf-8"?>
+<p:sld xmlns:a="http://schemas.openxmlformats.org/drawingml/2006/main" xmlns:r="http://schemas.openxmlformats.org/officeDocument/2006/relationships" xmlns:p="http://schemas.openxmlformats.org/presentationml/2006/main">
+  <p:cSld>
+    <p:spTree>
+      <p:nvGrpSpPr>
+        <p:cNvPr id="1" name=""/>
+        <p:cNvGrpSpPr/>
+        <p:nvPr/>
+      </p:nvGrpSpPr>
+      <p:grpSpPr>
+        <a:xfrm>
+          <a:off x="0" y="0"/>
+          <a:ext cx="0" cy="0"/>
+          <a:chOff x="0" y="0"/>
+          <a:chExt cx="0" cy="0"/>
+        </a:xfrm>
+      </p:grpSpPr>
+      <p:sp>
+        <p:nvSpPr>
+          <p:cNvPr id="2" name="Title 1"/>
+          <p:cNvSpPr>
+            <a:spLocks noGrp="1"/>
+          </p:cNvSpPr>
+          <p:nvPr>
+            <p:ph type="title"/>
+          </p:nvPr>
+        </p:nvSpPr>
+        <p:spPr/>
+        <p:txBody>
+          <a:bodyPr/>
+          <a:lstStyle/>
+          <a:p>
+            <a:r>
+              <a:rPr lang="en-US" dirty="0" smtClean="0"/>
+              <a:t>Probability </a:t>
+            </a:r>
+            <a:r>
+              <a:rPr lang="en-US" dirty="0"/>
+              <a:t>threshold of </a:t>
+            </a:r>
+            <a:r>
+              <a:rPr lang="en-US" dirty="0" smtClean="0"/>
+              <a:t>0.2 </a:t>
+            </a:r>
+            <a:r>
+              <a:rPr lang="en-US" dirty="0"/>
+              <a:t>is best for maximizing </a:t>
+            </a:r>
+            <a:r>
+              <a:rPr lang="en-US" dirty="0" smtClean="0"/>
+              <a:t>recall</a:t>
+            </a:r>
+            <a:endParaRPr lang="en-US" dirty="0"/>
+          </a:p>
+        </p:txBody>
+      </p:sp>
+      <p:pic>
+        <p:nvPicPr>
+          <p:cNvPr id="4" name="Content Placeholder 3"/>
+          <p:cNvPicPr>
+            <a:picLocks noGrp="1" noChangeAspect="1"/>
+          </p:cNvPicPr>
+          <p:nvPr>
+            <p:ph idx="1"/>
+          </p:nvPr>
+        </p:nvPicPr>
+        <p:blipFill>
+          <a:blip r:embed="rId2">
+            <a:extLst>
+              <a:ext uri="{28A0092B-C50C-407E-A947-70E740481C1C}">
+                <a14:useLocalDpi xmlns:a14="http://schemas.microsoft.com/office/drawing/2010/main" val="0"/>
+              </a:ext>
+            </a:extLst>
+          </a:blip>
+          <a:stretch>
+            <a:fillRect/>
+          </a:stretch>
+        </p:blipFill>
+        <p:spPr>
+          <a:xfrm>
+            <a:off x="1524000" y="1383313"/>
+            <a:ext cx="6313338" cy="4331687"/>
+          </a:xfrm>
+        </p:spPr>
+      </p:pic>
+      <p:sp>
+        <p:nvSpPr>
+          <p:cNvPr id="5" name="TextBox 4"/>
+          <p:cNvSpPr txBox="1"/>
+          <p:nvPr/>
+        </p:nvSpPr>
+        <p:spPr>
+          <a:xfrm>
+            <a:off x="3733800" y="5719482"/>
+            <a:ext cx="2294218" cy="338554"/>
+          </a:xfrm>
+          <a:prstGeom prst="rect">
+            <a:avLst/>
+          </a:prstGeom>
+          <a:noFill/>
+        </p:spPr>
+        <p:txBody>
+          <a:bodyPr wrap="none" rtlCol="0">
+            <a:spAutoFit/>
+          </a:bodyPr>
+          <a:lstStyle/>
+          <a:p>
+            <a:r>
+              <a:rPr lang="en-US" dirty="0" smtClean="0"/>
+              <a:t>Probability Threshold</a:t>
+            </a:r>
+            <a:endParaRPr lang="en-US" dirty="0"/>
+          </a:p>
+        </p:txBody>
+      </p:sp>
+      <p:sp>
+        <p:nvSpPr>
+          <p:cNvPr id="6" name="TextBox 5"/>
+          <p:cNvSpPr txBox="1"/>
+          <p:nvPr/>
+        </p:nvSpPr>
+        <p:spPr>
+          <a:xfrm rot="16200000">
+            <a:off x="893833" y="3195856"/>
+            <a:ext cx="367408" cy="338554"/>
+          </a:xfrm>
+          <a:prstGeom prst="rect">
+            <a:avLst/>
+          </a:prstGeom>
+          <a:noFill/>
+        </p:spPr>
+        <p:txBody>
+          <a:bodyPr wrap="none" rtlCol="0">
+            <a:spAutoFit/>
+          </a:bodyPr>
+          <a:lstStyle/>
+          <a:p>
+            <a:r>
+              <a:rPr lang="en-US" dirty="0" smtClean="0"/>
+              <a:t>f1</a:t>
+            </a:r>
+            <a:endParaRPr lang="en-US" dirty="0"/>
+          </a:p>
+        </p:txBody>
+      </p:sp>
+      <p:sp>
+        <p:nvSpPr>
+          <p:cNvPr id="7" name="TextBox 6"/>
+          <p:cNvSpPr txBox="1"/>
+          <p:nvPr/>
+        </p:nvSpPr>
+        <p:spPr>
+          <a:xfrm>
+            <a:off x="2248753" y="873241"/>
+            <a:ext cx="4863832" cy="338554"/>
+          </a:xfrm>
+          <a:prstGeom prst="rect">
+            <a:avLst/>
+          </a:prstGeom>
+          <a:noFill/>
+        </p:spPr>
+        <p:txBody>
+          <a:bodyPr wrap="none" rtlCol="0">
+            <a:spAutoFit/>
+          </a:bodyPr>
+          <a:lstStyle/>
+          <a:p>
+            <a:r>
+              <a:rPr lang="en-US" dirty="0" smtClean="0"/>
+              <a:t>Recall at various values of probability threshold</a:t>
+            </a:r>
+            <a:endParaRPr lang="en-US" dirty="0"/>
+          </a:p>
+        </p:txBody>
+      </p:sp>
+    </p:spTree>
+    <p:extLst>
+      <p:ext uri="{BB962C8B-B14F-4D97-AF65-F5344CB8AC3E}">
+        <p14:creationId xmlns:p14="http://schemas.microsoft.com/office/powerpoint/2010/main" val="3094681032"/>
+      </p:ext>
+    </p:extLst>
+  </p:cSld>
+  <p:clrMapOvr>
+    <a:masterClrMapping/>
+  </p:clrMapOvr>
+  <p:timing>
+    <p:tnLst>
+      <p:par>
+        <p:cTn id="1" dur="indefinite" restart="never" nodeType="tmRoot"/>
+      </p:par>
+    </p:tnLst>
+  </p:timing>
+</p:sld>
+</file>
+
+<file path=ppt/slides/slide13.xml><?xml version="1.0" encoding="utf-8"?>
+<p:sld xmlns:a="http://schemas.openxmlformats.org/drawingml/2006/main" xmlns:r="http://schemas.openxmlformats.org/officeDocument/2006/relationships" xmlns:p="http://schemas.openxmlformats.org/presentationml/2006/main">
+  <p:cSld>
+    <p:spTree>
+      <p:nvGrpSpPr>
+        <p:cNvPr id="1" name=""/>
+        <p:cNvGrpSpPr/>
+        <p:nvPr/>
+      </p:nvGrpSpPr>
+      <p:grpSpPr>
+        <a:xfrm>
+          <a:off x="0" y="0"/>
+          <a:ext cx="0" cy="0"/>
+          <a:chOff x="0" y="0"/>
+          <a:chExt cx="0" cy="0"/>
+        </a:xfrm>
+      </p:grpSpPr>
+      <p:sp>
+        <p:nvSpPr>
+          <p:cNvPr id="2" name="Title 1"/>
+          <p:cNvSpPr>
+            <a:spLocks noGrp="1"/>
+          </p:cNvSpPr>
+          <p:nvPr>
+            <p:ph type="title"/>
+          </p:nvPr>
+        </p:nvSpPr>
+        <p:spPr/>
+        <p:txBody>
+          <a:bodyPr/>
+          <a:lstStyle/>
+          <a:p>
+            <a:r>
+              <a:rPr lang="en-US" dirty="0" smtClean="0"/>
+              <a:t>What we learned</a:t>
+            </a:r>
+            <a:endParaRPr lang="en-US" dirty="0"/>
+          </a:p>
+        </p:txBody>
+      </p:sp>
+      <p:graphicFrame>
+        <p:nvGraphicFramePr>
+          <p:cNvPr id="5" name="Table 4"/>
+          <p:cNvGraphicFramePr>
+            <a:graphicFrameLocks noGrp="1"/>
+          </p:cNvGraphicFramePr>
+          <p:nvPr>
+            <p:extLst>
+              <p:ext uri="{D42A27DB-BD31-4B8C-83A1-F6EECF244321}">
+                <p14:modId xmlns:p14="http://schemas.microsoft.com/office/powerpoint/2010/main" val="2868574866"/>
+              </p:ext>
+            </p:extLst>
+          </p:nvPr>
+        </p:nvGraphicFramePr>
+        <p:xfrm>
+          <a:off x="2362200" y="1066800"/>
+          <a:ext cx="6629400" cy="4343400"/>
+        </p:xfrm>
+        <a:graphic>
+          <a:graphicData uri="http://schemas.openxmlformats.org/drawingml/2006/table">
+            <a:tbl>
+              <a:tblPr firstRow="1" bandRow="1">
+                <a:tableStyleId>{5C22544A-7EE6-4342-B048-85BDC9FD1C3A}</a:tableStyleId>
+              </a:tblPr>
+              <a:tblGrid>
+                <a:gridCol w="1287262">
+                  <a:extLst>
+                    <a:ext uri="{9D8B030D-6E8A-4147-A177-3AD203B41FA5}">
+                      <a16:colId xmlns:a16="http://schemas.microsoft.com/office/drawing/2014/main" val="102880936"/>
+                    </a:ext>
+                  </a:extLst>
+                </a:gridCol>
+                <a:gridCol w="2703250">
+                  <a:extLst>
+                    <a:ext uri="{9D8B030D-6E8A-4147-A177-3AD203B41FA5}">
+                      <a16:colId xmlns:a16="http://schemas.microsoft.com/office/drawing/2014/main" val="957684231"/>
+                    </a:ext>
+                  </a:extLst>
+                </a:gridCol>
+                <a:gridCol w="2638888">
+                  <a:extLst>
+                    <a:ext uri="{9D8B030D-6E8A-4147-A177-3AD203B41FA5}">
+                      <a16:colId xmlns:a16="http://schemas.microsoft.com/office/drawing/2014/main" val="1543050093"/>
+                    </a:ext>
+                  </a:extLst>
+                </a:gridCol>
+              </a:tblGrid>
+              <a:tr h="634073">
+                <a:tc>
+                  <a:txBody>
+                    <a:bodyPr/>
+                    <a:lstStyle/>
+                    <a:p>
+                      <a:r>
+                        <a:rPr lang="en-US" sz="1600" dirty="0" smtClean="0"/>
+                        <a:t>Variable</a:t>
+                      </a:r>
+                      <a:endParaRPr lang="en-US" sz="1600" dirty="0"/>
+                    </a:p>
+                  </a:txBody>
+                  <a:tcPr anchor="ctr"/>
+                </a:tc>
+                <a:tc>
+                  <a:txBody>
+                    <a:bodyPr/>
+                    <a:lstStyle/>
+                    <a:p>
+                      <a:r>
+                        <a:rPr lang="en-US" sz="1600" dirty="0" smtClean="0"/>
+                        <a:t>Description of variable</a:t>
+                      </a:r>
+                      <a:endParaRPr lang="en-US" sz="1600" dirty="0"/>
+                    </a:p>
+                  </a:txBody>
+                  <a:tcPr anchor="ctr"/>
+                </a:tc>
+                <a:tc>
+                  <a:txBody>
+                    <a:bodyPr/>
+                    <a:lstStyle/>
+                    <a:p>
+                      <a:r>
+                        <a:rPr lang="en-US" sz="1600" dirty="0" smtClean="0"/>
+                        <a:t> Insight</a:t>
+                      </a:r>
+                      <a:endParaRPr lang="en-US" sz="1600" dirty="0"/>
+                    </a:p>
+                  </a:txBody>
+                  <a:tcPr anchor="ctr"/>
+                </a:tc>
+                <a:extLst>
+                  <a:ext uri="{0D108BD9-81ED-4DB2-BD59-A6C34878D82A}">
+                    <a16:rowId xmlns:a16="http://schemas.microsoft.com/office/drawing/2014/main" val="1815724271"/>
+                  </a:ext>
+                </a:extLst>
+              </a:tr>
+              <a:tr h="713332">
+                <a:tc>
+                  <a:txBody>
+                    <a:bodyPr/>
+                    <a:lstStyle/>
+                    <a:p>
+                      <a:r>
+                        <a:rPr lang="en-US" sz="1600" dirty="0" smtClean="0"/>
+                        <a:t>age</a:t>
+                      </a:r>
+                      <a:endParaRPr lang="en-US" sz="1600" dirty="0"/>
+                    </a:p>
+                  </a:txBody>
+                  <a:tcPr/>
+                </a:tc>
+                <a:tc>
+                  <a:txBody>
+                    <a:bodyPr/>
+                    <a:lstStyle/>
+                    <a:p>
+                      <a:r>
+                        <a:rPr lang="en-US" sz="1600" dirty="0" smtClean="0"/>
+                        <a:t>Age</a:t>
+                      </a:r>
+                      <a:r>
+                        <a:rPr lang="en-US" sz="1600" baseline="0" dirty="0" smtClean="0"/>
+                        <a:t> of patient</a:t>
+                      </a:r>
+                      <a:endParaRPr lang="en-US" sz="1600" dirty="0"/>
+                    </a:p>
+                  </a:txBody>
+                  <a:tcPr/>
+                </a:tc>
+                <a:tc>
+                  <a:txBody>
+                    <a:bodyPr/>
+                    <a:lstStyle/>
+                    <a:p>
+                      <a:r>
+                        <a:rPr lang="en-US" sz="1600" dirty="0" smtClean="0"/>
+                        <a:t>Probability of heart disease increases with age (dah!)</a:t>
+                      </a:r>
+                      <a:endParaRPr lang="en-US" sz="1600" dirty="0"/>
+                    </a:p>
+                  </a:txBody>
+                  <a:tcPr/>
+                </a:tc>
+                <a:extLst>
+                  <a:ext uri="{0D108BD9-81ED-4DB2-BD59-A6C34878D82A}">
+                    <a16:rowId xmlns:a16="http://schemas.microsoft.com/office/drawing/2014/main" val="3291147834"/>
+                  </a:ext>
+                </a:extLst>
+              </a:tr>
+              <a:tr h="713332">
+                <a:tc>
+                  <a:txBody>
+                    <a:bodyPr/>
+                    <a:lstStyle/>
+                    <a:p>
+                      <a:r>
+                        <a:rPr lang="en-US" sz="1600" dirty="0" err="1" smtClean="0"/>
+                        <a:t>oldpeak</a:t>
+                      </a:r>
+                      <a:endParaRPr lang="en-US" sz="1600" dirty="0"/>
+                    </a:p>
+                  </a:txBody>
+                  <a:tcPr/>
+                </a:tc>
+                <a:tc>
+                  <a:txBody>
+                    <a:bodyPr/>
+                    <a:lstStyle/>
+                    <a:p>
+                      <a:r>
+                        <a:rPr lang="en-US" sz="1600" dirty="0" smtClean="0"/>
+                        <a:t>Stress Test ECG results (in</a:t>
+                      </a:r>
+                      <a:r>
+                        <a:rPr lang="en-US" sz="1600" baseline="0" dirty="0" smtClean="0"/>
+                        <a:t> mm)</a:t>
+                      </a:r>
+                      <a:endParaRPr lang="en-US" sz="1600" dirty="0"/>
+                    </a:p>
+                  </a:txBody>
+                  <a:tcPr/>
+                </a:tc>
+                <a:tc>
+                  <a:txBody>
+                    <a:bodyPr/>
+                    <a:lstStyle/>
+                    <a:p>
+                      <a:r>
+                        <a:rPr lang="en-US" sz="1600" dirty="0" smtClean="0"/>
+                        <a:t>Larger peak indicates heart disease</a:t>
+                      </a:r>
+                      <a:endParaRPr lang="en-US" sz="1600" dirty="0"/>
+                    </a:p>
+                  </a:txBody>
+                  <a:tcPr/>
+                </a:tc>
+                <a:extLst>
+                  <a:ext uri="{0D108BD9-81ED-4DB2-BD59-A6C34878D82A}">
+                    <a16:rowId xmlns:a16="http://schemas.microsoft.com/office/drawing/2014/main" val="2572298577"/>
+                  </a:ext>
+                </a:extLst>
+              </a:tr>
+              <a:tr h="855999">
+                <a:tc>
+                  <a:txBody>
+                    <a:bodyPr/>
+                    <a:lstStyle/>
+                    <a:p>
+                      <a:r>
+                        <a:rPr lang="en-US" sz="1600" dirty="0" err="1" smtClean="0"/>
+                        <a:t>thalach</a:t>
+                      </a:r>
+                      <a:endParaRPr lang="en-US" sz="1600" dirty="0"/>
+                    </a:p>
+                  </a:txBody>
+                  <a:tcPr/>
+                </a:tc>
+                <a:tc>
+                  <a:txBody>
+                    <a:bodyPr/>
+                    <a:lstStyle/>
+                    <a:p>
+                      <a:r>
+                        <a:rPr lang="en-US" sz="1600" dirty="0" smtClean="0"/>
+                        <a:t>Max heart rate achieved</a:t>
+                      </a:r>
+                      <a:endParaRPr lang="en-US" sz="1600" dirty="0"/>
+                    </a:p>
+                  </a:txBody>
+                  <a:tcPr/>
+                </a:tc>
+                <a:tc>
+                  <a:txBody>
+                    <a:bodyPr/>
+                    <a:lstStyle/>
+                    <a:p>
+                      <a:r>
+                        <a:rPr lang="en-US" sz="1600" dirty="0" smtClean="0"/>
+                        <a:t>The lower you max heart rate, the higher probability of disease</a:t>
+                      </a:r>
+                      <a:endParaRPr lang="en-US" sz="1600" dirty="0"/>
+                    </a:p>
+                  </a:txBody>
+                  <a:tcPr/>
+                </a:tc>
+                <a:extLst>
+                  <a:ext uri="{0D108BD9-81ED-4DB2-BD59-A6C34878D82A}">
+                    <a16:rowId xmlns:a16="http://schemas.microsoft.com/office/drawing/2014/main" val="2199259609"/>
+                  </a:ext>
+                </a:extLst>
+              </a:tr>
+              <a:tr h="713332">
+                <a:tc>
+                  <a:txBody>
+                    <a:bodyPr/>
+                    <a:lstStyle/>
+                    <a:p>
+                      <a:r>
+                        <a:rPr lang="en-US" sz="1600" dirty="0" smtClean="0"/>
+                        <a:t>cp4 </a:t>
+                      </a:r>
+                      <a:endParaRPr lang="en-US" sz="1600" dirty="0"/>
+                    </a:p>
+                  </a:txBody>
+                  <a:tcPr/>
+                </a:tc>
+                <a:tc>
+                  <a:txBody>
+                    <a:bodyPr/>
+                    <a:lstStyle/>
+                    <a:p>
+                      <a:r>
+                        <a:rPr lang="en-US" sz="1600" dirty="0" smtClean="0"/>
+                        <a:t>Chest pain (at level 4)</a:t>
+                      </a:r>
+                      <a:endParaRPr lang="en-US" sz="1600" dirty="0"/>
+                    </a:p>
+                  </a:txBody>
+                  <a:tcPr/>
+                </a:tc>
+                <a:tc>
+                  <a:txBody>
+                    <a:bodyPr/>
+                    <a:lstStyle/>
+                    <a:p>
+                      <a:r>
+                        <a:rPr lang="en-US" sz="1600" dirty="0" smtClean="0"/>
+                        <a:t>If you have pain (strong),</a:t>
+                      </a:r>
+                      <a:r>
+                        <a:rPr lang="en-US" sz="1600" baseline="0" dirty="0" smtClean="0"/>
+                        <a:t> you are at risk</a:t>
+                      </a:r>
+                      <a:endParaRPr lang="en-US" sz="1600" dirty="0"/>
+                    </a:p>
+                  </a:txBody>
+                  <a:tcPr/>
+                </a:tc>
+                <a:extLst>
+                  <a:ext uri="{0D108BD9-81ED-4DB2-BD59-A6C34878D82A}">
+                    <a16:rowId xmlns:a16="http://schemas.microsoft.com/office/drawing/2014/main" val="2997174582"/>
+                  </a:ext>
+                </a:extLst>
+              </a:tr>
+              <a:tr h="713332">
+                <a:tc>
+                  <a:txBody>
+                    <a:bodyPr/>
+                    <a:lstStyle/>
+                    <a:p>
+                      <a:r>
+                        <a:rPr lang="en-US" sz="1600" dirty="0" err="1" smtClean="0"/>
+                        <a:t>exang</a:t>
+                      </a:r>
+                      <a:endParaRPr lang="en-US" sz="1600" dirty="0"/>
+                    </a:p>
+                  </a:txBody>
+                  <a:tcPr/>
+                </a:tc>
+                <a:tc>
+                  <a:txBody>
+                    <a:bodyPr/>
+                    <a:lstStyle/>
+                    <a:p>
+                      <a:r>
+                        <a:rPr lang="en-US" sz="1600" dirty="0" smtClean="0"/>
+                        <a:t>Chest pain induced by exercise</a:t>
+                      </a:r>
+                      <a:endParaRPr lang="en-US" sz="1600" dirty="0"/>
+                    </a:p>
+                  </a:txBody>
+                  <a:tcPr/>
+                </a:tc>
+                <a:tc>
+                  <a:txBody>
+                    <a:bodyPr/>
+                    <a:lstStyle/>
+                    <a:p>
+                      <a:r>
+                        <a:rPr lang="en-US" sz="1600" dirty="0" smtClean="0"/>
+                        <a:t>Increase probability of disease</a:t>
+                      </a:r>
+                      <a:endParaRPr lang="en-US" sz="1600" dirty="0"/>
+                    </a:p>
+                  </a:txBody>
+                  <a:tcPr/>
+                </a:tc>
+                <a:extLst>
+                  <a:ext uri="{0D108BD9-81ED-4DB2-BD59-A6C34878D82A}">
+                    <a16:rowId xmlns:a16="http://schemas.microsoft.com/office/drawing/2014/main" val="2963014509"/>
+                  </a:ext>
+                </a:extLst>
+              </a:tr>
+            </a:tbl>
+          </a:graphicData>
+        </a:graphic>
+      </p:graphicFrame>
+      <p:pic>
+        <p:nvPicPr>
+          <p:cNvPr id="6" name="Picture 5"/>
+          <p:cNvPicPr>
+            <a:picLocks noChangeAspect="1"/>
+          </p:cNvPicPr>
+          <p:nvPr/>
+        </p:nvPicPr>
+        <p:blipFill>
+          <a:blip r:embed="rId2"/>
+          <a:stretch>
+            <a:fillRect/>
+          </a:stretch>
+        </p:blipFill>
+        <p:spPr>
+          <a:xfrm>
+            <a:off x="152400" y="2362200"/>
+            <a:ext cx="2066365" cy="1773074"/>
+          </a:xfrm>
+          <a:prstGeom prst="rect">
+            <a:avLst/>
+          </a:prstGeom>
+        </p:spPr>
+      </p:pic>
+    </p:spTree>
+    <p:extLst>
+      <p:ext uri="{BB962C8B-B14F-4D97-AF65-F5344CB8AC3E}">
+        <p14:creationId xmlns:p14="http://schemas.microsoft.com/office/powerpoint/2010/main" val="4247368228"/>
+      </p:ext>
+    </p:extLst>
   </p:cSld>
   <p:clrMapOvr>
     <a:masterClrMapping/>
@@ -2862,7 +3917,7 @@
         <p:spPr>
           <a:xfrm>
             <a:off x="4648200" y="5029200"/>
-            <a:ext cx="3962400" cy="954107"/>
+            <a:ext cx="3962400" cy="1292662"/>
           </a:xfrm>
           <a:prstGeom prst="rect">
             <a:avLst/>
@@ -2919,9 +3974,31 @@
               <a:t>Drop all rows that are </a:t>
             </a:r>
             <a:r>
+              <a:rPr lang="en-US" sz="1100" b="0" dirty="0" err="1" smtClean="0"/>
+              <a:t>NaN</a:t>
+            </a:r>
+            <a:endParaRPr lang="en-US" sz="1100" b="0" dirty="0" smtClean="0"/>
+          </a:p>
+          <a:p>
+            <a:pPr marL="171450" indent="-171450">
+              <a:buFont typeface="Arial" panose="020B0604020202020204" pitchFamily="34" charset="0"/>
+              <a:buChar char="•"/>
+            </a:pPr>
+            <a:r>
+              <a:rPr lang="en-US" sz="1100" b="0" dirty="0"/>
+              <a:t>Scaled data using </a:t>
+            </a:r>
+            <a:r>
               <a:rPr lang="en-US" sz="1100" b="0" dirty="0" err="1"/>
-              <a:t>NaN</a:t>
-            </a:r>
+              <a:t>sklearn.tranform</a:t>
+            </a:r>
+            <a:endParaRPr lang="en-US" sz="1100" b="0" dirty="0"/>
+          </a:p>
+          <a:p>
+            <a:pPr marL="171450" indent="-171450">
+              <a:buFont typeface="Arial" panose="020B0604020202020204" pitchFamily="34" charset="0"/>
+              <a:buChar char="•"/>
+            </a:pPr>
             <a:endParaRPr lang="en-US" sz="1100" b="0" dirty="0"/>
           </a:p>
         </p:txBody>
@@ -2980,7 +4057,15 @@
           <a:p>
             <a:r>
               <a:rPr lang="en-US" dirty="0" smtClean="0"/>
-              <a:t>We used Gradient Boosted Ensemble to get a first pass at significant variables</a:t>
+              <a:t>We used Gradient Boosted Ensemble to get a first </a:t>
+            </a:r>
+            <a:r>
+              <a:rPr lang="en-US" dirty="0" smtClean="0"/>
+              <a:t>high level pass of significant </a:t>
+            </a:r>
+            <a:r>
+              <a:rPr lang="en-US" dirty="0" smtClean="0"/>
+              <a:t>variables</a:t>
             </a:r>
             <a:endParaRPr lang="en-US" dirty="0"/>
           </a:p>
@@ -3406,6 +4491,64 @@
           </a:p>
         </p:txBody>
       </p:sp>
+      <p:sp>
+        <p:nvSpPr>
+          <p:cNvPr id="10" name="TextBox 9"/>
+          <p:cNvSpPr txBox="1"/>
+          <p:nvPr/>
+        </p:nvSpPr>
+        <p:spPr>
+          <a:xfrm rot="16200000">
+            <a:off x="3966271" y="3183082"/>
+            <a:ext cx="3927763" cy="304800"/>
+          </a:xfrm>
+          <a:prstGeom prst="rect">
+            <a:avLst/>
+          </a:prstGeom>
+          <a:noFill/>
+          <a:ln>
+            <a:solidFill>
+              <a:schemeClr val="tx1"/>
+            </a:solidFill>
+          </a:ln>
+        </p:spPr>
+        <p:txBody>
+          <a:bodyPr wrap="square" rtlCol="0">
+            <a:noAutofit/>
+          </a:bodyPr>
+          <a:lstStyle/>
+          <a:p>
+            <a:endParaRPr lang="en-US" dirty="0"/>
+          </a:p>
+        </p:txBody>
+      </p:sp>
+      <p:cxnSp>
+        <p:nvCxnSpPr>
+          <p:cNvPr id="8" name="Straight Arrow Connector 7"/>
+          <p:cNvCxnSpPr/>
+          <p:nvPr/>
+        </p:nvCxnSpPr>
+        <p:spPr bwMode="auto">
+          <a:xfrm flipV="1">
+            <a:off x="5181600" y="5410200"/>
+            <a:ext cx="596152" cy="571045"/>
+          </a:xfrm>
+          <a:prstGeom prst="straightConnector1">
+            <a:avLst/>
+          </a:prstGeom>
+          <a:noFill/>
+          <a:ln w="9525" cap="flat" cmpd="sng" algn="ctr">
+            <a:solidFill>
+              <a:schemeClr val="tx1"/>
+            </a:solidFill>
+            <a:prstDash val="solid"/>
+            <a:round/>
+            <a:headEnd type="none" w="med" len="med"/>
+            <a:tailEnd type="triangle"/>
+          </a:ln>
+          <a:effectLst/>
+        </p:spPr>
+      </p:cxnSp>
     </p:spTree>
     <p:extLst>
       <p:ext uri="{BB962C8B-B14F-4D97-AF65-F5344CB8AC3E}">
@@ -3455,7 +4598,7 @@
             </p:custDataLst>
             <p:extLst>
               <p:ext uri="{D42A27DB-BD31-4B8C-83A1-F6EECF244321}">
-                <p14:modId xmlns:p14="http://schemas.microsoft.com/office/powerpoint/2010/main" val="2554909435"/>
+                <p14:modId xmlns:p14="http://schemas.microsoft.com/office/powerpoint/2010/main" val="583231864"/>
               </p:ext>
             </p:extLst>
           </p:nvPr>
@@ -3468,7 +4611,7 @@
           <a:graphicData uri="http://schemas.openxmlformats.org/presentationml/2006/ole">
             <mc:AlternateContent xmlns:mc="http://schemas.openxmlformats.org/markup-compatibility/2006">
               <mc:Choice xmlns:v="urn:schemas-microsoft-com:vml" Requires="v">
-                <p:oleObj spid="_x0000_s4106" name="think-cell Slide" r:id="rId4" imgW="270" imgH="270" progId="TCLayout.ActiveDocument.1">
+                <p:oleObj spid="_x0000_s4120" name="think-cell Slide" r:id="rId4" imgW="270" imgH="270" progId="TCLayout.ActiveDocument.1">
                   <p:embed/>
                 </p:oleObj>
               </mc:Choice>
@@ -3505,7 +4648,7 @@
       </p:graphicFrame>
       <p:pic>
         <p:nvPicPr>
-          <p:cNvPr id="3" name="Picture 2"/>
+          <p:cNvPr id="16" name="Picture 15"/>
           <p:cNvPicPr>
             <a:picLocks noChangeAspect="1"/>
           </p:cNvPicPr>
@@ -3519,8 +4662,8 @@
         </p:blipFill>
         <p:spPr>
           <a:xfrm>
-            <a:off x="304800" y="1319212"/>
-            <a:ext cx="8486775" cy="4219575"/>
+            <a:off x="381000" y="1323975"/>
+            <a:ext cx="8382000" cy="4210050"/>
           </a:xfrm>
           <a:prstGeom prst="rect">
             <a:avLst/>
@@ -3600,8 +4743,8 @@
         </p:nvSpPr>
         <p:spPr>
           <a:xfrm>
-            <a:off x="152400" y="1334934"/>
-            <a:ext cx="3962400" cy="874866"/>
+            <a:off x="304800" y="1505742"/>
+            <a:ext cx="3810000" cy="713023"/>
           </a:xfrm>
           <a:prstGeom prst="rect">
             <a:avLst/>
@@ -3633,8 +4776,8 @@
         </p:nvCxnSpPr>
         <p:spPr bwMode="auto">
           <a:xfrm>
-            <a:off x="4114800" y="1619967"/>
-            <a:ext cx="381000" cy="392982"/>
+            <a:off x="4114800" y="1862254"/>
+            <a:ext cx="381000" cy="150695"/>
           </a:xfrm>
           <a:prstGeom prst="straightConnector1">
             <a:avLst/>
@@ -3745,6 +4888,64 @@
           </a:p>
         </p:txBody>
       </p:sp>
+      <p:sp>
+        <p:nvSpPr>
+          <p:cNvPr id="10" name="TextBox 9"/>
+          <p:cNvSpPr txBox="1"/>
+          <p:nvPr/>
+        </p:nvSpPr>
+        <p:spPr>
+          <a:xfrm rot="16200000">
+            <a:off x="4117911" y="3243853"/>
+            <a:ext cx="3570694" cy="304800"/>
+          </a:xfrm>
+          <a:prstGeom prst="rect">
+            <a:avLst/>
+          </a:prstGeom>
+          <a:noFill/>
+          <a:ln>
+            <a:solidFill>
+              <a:schemeClr val="tx1"/>
+            </a:solidFill>
+          </a:ln>
+        </p:spPr>
+        <p:txBody>
+          <a:bodyPr wrap="square" rtlCol="0">
+            <a:noAutofit/>
+          </a:bodyPr>
+          <a:lstStyle/>
+          <a:p>
+            <a:endParaRPr lang="en-US" dirty="0"/>
+          </a:p>
+        </p:txBody>
+      </p:sp>
+      <p:cxnSp>
+        <p:nvCxnSpPr>
+          <p:cNvPr id="13" name="Straight Arrow Connector 12"/>
+          <p:cNvCxnSpPr/>
+          <p:nvPr/>
+        </p:nvCxnSpPr>
+        <p:spPr bwMode="auto">
+          <a:xfrm flipV="1">
+            <a:off x="5334000" y="5257801"/>
+            <a:ext cx="533400" cy="723444"/>
+          </a:xfrm>
+          <a:prstGeom prst="straightConnector1">
+            <a:avLst/>
+          </a:prstGeom>
+          <a:noFill/>
+          <a:ln w="9525" cap="flat" cmpd="sng" algn="ctr">
+            <a:solidFill>
+              <a:schemeClr val="tx1"/>
+            </a:solidFill>
+            <a:prstDash val="solid"/>
+            <a:round/>
+            <a:headEnd type="none" w="med" len="med"/>
+            <a:tailEnd type="triangle"/>
+          </a:ln>
+          <a:effectLst/>
+        </p:spPr>
+      </p:cxnSp>
     </p:spTree>
     <p:extLst>
       <p:ext uri="{BB962C8B-B14F-4D97-AF65-F5344CB8AC3E}">
@@ -3807,7 +5008,7 @@
           <a:graphicData uri="http://schemas.openxmlformats.org/presentationml/2006/ole">
             <mc:AlternateContent xmlns:mc="http://schemas.openxmlformats.org/markup-compatibility/2006">
               <mc:Choice xmlns:v="urn:schemas-microsoft-com:vml" Requires="v">
-                <p:oleObj spid="_x0000_s5130" name="think-cell Slide" r:id="rId4" imgW="270" imgH="270" progId="TCLayout.ActiveDocument.1">
+                <p:oleObj spid="_x0000_s5143" name="think-cell Slide" r:id="rId4" imgW="270" imgH="270" progId="TCLayout.ActiveDocument.1">
                   <p:embed/>
                 </p:oleObj>
               </mc:Choice>
@@ -4157,7 +5358,7 @@
           <a:p>
             <a:r>
               <a:rPr lang="en-US" dirty="0" smtClean="0"/>
-              <a:t>What we did to tune the model?</a:t>
+              <a:t>Various combinations of variables in the model and interaction effects were tested</a:t>
             </a:r>
           </a:p>
           <a:p>
@@ -4166,9 +5367,17 @@
           <a:p>
             <a:r>
               <a:rPr lang="en-US" dirty="0" smtClean="0"/>
-              <a:t>Etc.</a:t>
-            </a:r>
+              <a:t>We hypothesized that age might have some strong interactions with the other variables, just based on intuition</a:t>
+            </a:r>
+          </a:p>
+          <a:p>
             <a:endParaRPr lang="en-US" dirty="0"/>
+          </a:p>
+          <a:p>
+            <a:r>
+              <a:rPr lang="en-US" dirty="0" smtClean="0"/>
+              <a:t>After testing, this was only seen to be the case with Age: Cholesterol, but the effect was not found to be strong enough for Cholesterol to stay in the model</a:t>
+            </a:r>
           </a:p>
         </p:txBody>
       </p:sp>
@@ -4226,28 +5435,110 @@
           <a:p>
             <a:r>
               <a:rPr lang="en-US" dirty="0" smtClean="0"/>
-              <a:t>Our insights</a:t>
+              <a:t>Logistic Regression Stats Models Summary</a:t>
             </a:r>
             <a:endParaRPr lang="en-US" dirty="0"/>
           </a:p>
         </p:txBody>
       </p:sp>
-      <p:sp>
-        <p:nvSpPr>
-          <p:cNvPr id="3" name="Content Placeholder 2"/>
-          <p:cNvSpPr>
-            <a:spLocks noGrp="1"/>
-          </p:cNvSpPr>
+      <p:pic>
+        <p:nvPicPr>
+          <p:cNvPr id="4" name="Content Placeholder 3"/>
+          <p:cNvPicPr>
+            <a:picLocks noGrp="1" noChangeAspect="1"/>
+          </p:cNvPicPr>
           <p:nvPr>
             <p:ph idx="1"/>
           </p:nvPr>
+        </p:nvPicPr>
+        <p:blipFill>
+          <a:blip r:embed="rId2">
+            <a:extLst>
+              <a:ext uri="{28A0092B-C50C-407E-A947-70E740481C1C}">
+                <a14:useLocalDpi xmlns:a14="http://schemas.microsoft.com/office/drawing/2010/main" val="0"/>
+              </a:ext>
+            </a:extLst>
+          </a:blip>
+          <a:stretch>
+            <a:fillRect/>
+          </a:stretch>
+        </p:blipFill>
+        <p:spPr>
+          <a:xfrm>
+            <a:off x="694783" y="533400"/>
+            <a:ext cx="7754433" cy="4277322"/>
+          </a:xfrm>
+        </p:spPr>
+      </p:pic>
+      <p:sp>
+        <p:nvSpPr>
+          <p:cNvPr id="5" name="TextBox 4"/>
+          <p:cNvSpPr txBox="1"/>
+          <p:nvPr/>
         </p:nvSpPr>
-        <p:spPr/>
+        <p:spPr>
+          <a:xfrm>
+            <a:off x="762000" y="4953000"/>
+            <a:ext cx="7620000" cy="954107"/>
+          </a:xfrm>
+          <a:prstGeom prst="rect">
+            <a:avLst/>
+          </a:prstGeom>
+          <a:noFill/>
+        </p:spPr>
         <p:txBody>
-          <a:bodyPr/>
+          <a:bodyPr wrap="square" rtlCol="0">
+            <a:spAutoFit/>
+          </a:bodyPr>
           <a:lstStyle/>
           <a:p>
-            <a:endParaRPr lang="en-US"/>
+            <a:r>
+              <a:rPr lang="en-US" sz="1400" dirty="0" err="1" smtClean="0"/>
+              <a:t>oldpeak</a:t>
+            </a:r>
+            <a:r>
+              <a:rPr lang="en-US" sz="1400" dirty="0"/>
+              <a:t> </a:t>
+            </a:r>
+            <a:r>
+              <a:rPr lang="en-US" sz="1400" dirty="0" smtClean="0"/>
+              <a:t>– ECG reading from exercise relative to rest</a:t>
+            </a:r>
+          </a:p>
+          <a:p>
+            <a:r>
+              <a:rPr lang="en-US" sz="1400" dirty="0" err="1"/>
+              <a:t>t</a:t>
+            </a:r>
+            <a:r>
+              <a:rPr lang="en-US" sz="1400" dirty="0" err="1" smtClean="0"/>
+              <a:t>halach</a:t>
+            </a:r>
+            <a:r>
+              <a:rPr lang="en-US" sz="1400" dirty="0" smtClean="0"/>
+              <a:t> – Maximum heart rate achieved</a:t>
+            </a:r>
+          </a:p>
+          <a:p>
+            <a:r>
+              <a:rPr lang="en-US" sz="1400" dirty="0"/>
+              <a:t>c</a:t>
+            </a:r>
+            <a:r>
+              <a:rPr lang="en-US" sz="1400" dirty="0" smtClean="0"/>
+              <a:t>p4 – Factor variable indicating asymptomatic chest pain</a:t>
+            </a:r>
+          </a:p>
+          <a:p>
+            <a:r>
+              <a:rPr lang="en-US" sz="1400" dirty="0" err="1" smtClean="0"/>
+              <a:t>exang</a:t>
+            </a:r>
+            <a:r>
+              <a:rPr lang="en-US" sz="1400" dirty="0" smtClean="0"/>
+              <a:t> – Exercise induced chest pain</a:t>
+            </a:r>
+            <a:endParaRPr lang="en-US" sz="1400" dirty="0"/>
           </a:p>
         </p:txBody>
       </p:sp>
@@ -4273,6 +5564,8 @@
 
 <file path=ppt/tags/tag1.xml><?xml version="1.0" encoding="utf-8"?>
 <p:tagLst xmlns:a="http://schemas.openxmlformats.org/drawingml/2006/main" xmlns:r="http://schemas.openxmlformats.org/officeDocument/2006/relationships" xmlns:p="http://schemas.openxmlformats.org/presentationml/2006/main">
+  <p:tag name="_AMO_REPORTCONTROLSVISIBLE" val="Empty"/>
+  <p:tag name="_AMO_UNIQUEIDENTIFIER" val="3362337a-5094-444e-8aa3-990306bb2302"/>
   <p:tag name="THINKCELLUNDODONOTDELETE" val="0"/>
 </p:tagLst>
 </file>
